--- a/day2/slides/10_GECKO_parallel_practical.pptx
+++ b/day2/slides/10_GECKO_parallel_practical.pptx
@@ -9420,7 +9420,7 @@
                 <a:cs typeface="Calibri"/>
                 <a:sym typeface="Calibri"/>
               </a:rPr>
-              <a:t>Leskosec</a:t>
+              <a:t>Leskosek</a:t>
             </a:r>
             <a:r>
               <a:rPr lang="en-US" sz="2400" b="0" i="1" u="none" strike="noStrike" cap="none" dirty="0" smtClean="0">
@@ -9500,6 +9500,13 @@
   <p:clrMapOvr>
     <a:masterClrMapping/>
   </p:clrMapOvr>
+  <p:timing>
+    <p:tnLst>
+      <p:par>
+        <p:cTn id="1" dur="indefinite" restart="never" nodeType="tmRoot"/>
+      </p:par>
+    </p:tnLst>
+  </p:timing>
 </p:sld>
 </file>
 
@@ -10352,17 +10359,7 @@
                 <a:latin typeface="Courier New" panose="02070309020205020404" pitchFamily="49" charset="0"/>
                 <a:cs typeface="Courier New" panose="02070309020205020404" pitchFamily="49" charset="0"/>
               </a:rPr>
-              <a:t>make </a:t>
-            </a:r>
-            <a:r>
-              <a:rPr lang="en-GB" sz="2000" dirty="0" smtClean="0">
-                <a:solidFill>
-                  <a:srgbClr val="2F5897"/>
-                </a:solidFill>
-                <a:latin typeface="Courier New" panose="02070309020205020404" pitchFamily="49" charset="0"/>
-                <a:cs typeface="Courier New" panose="02070309020205020404" pitchFamily="49" charset="0"/>
-              </a:rPr>
-              <a:t>all</a:t>
+              <a:t>make all</a:t>
             </a:r>
           </a:p>
         </p:txBody>
@@ -11284,17 +11281,17 @@
                 <a:latin typeface="Courier New" panose="02070309020205020404" pitchFamily="49" charset="0"/>
                 <a:cs typeface="Courier New" panose="02070309020205020404" pitchFamily="49" charset="0"/>
               </a:rPr>
-              <a:t> 4 --mem=60gb --time=01:00:00 --partition=local ../bin/slurmWrapperMPI.sh </a:t>
-            </a:r>
-            <a:r>
-              <a:rPr lang="en-GB" sz="1800" dirty="0" err="1">
+              <a:t> 4 --</a:t>
+            </a:r>
+            <a:r>
+              <a:rPr lang="en-GB" sz="1800" dirty="0" smtClean="0">
                 <a:solidFill>
                   <a:srgbClr val="2F5897"/>
                 </a:solidFill>
                 <a:latin typeface="Courier New" panose="02070309020205020404" pitchFamily="49" charset="0"/>
                 <a:cs typeface="Courier New" panose="02070309020205020404" pitchFamily="49" charset="0"/>
               </a:rPr>
-              <a:t>mpirun</a:t>
+              <a:t>mem=5gb </a:t>
             </a:r>
             <a:r>
               <a:rPr lang="en-GB" sz="1800" dirty="0">
@@ -11304,7 +11301,67 @@
                 <a:latin typeface="Courier New" panose="02070309020205020404" pitchFamily="49" charset="0"/>
                 <a:cs typeface="Courier New" panose="02070309020205020404" pitchFamily="49" charset="0"/>
               </a:rPr>
-              <a:t> -np 4 /home/griduser050/</a:t>
+              <a:t>--</a:t>
+            </a:r>
+            <a:r>
+              <a:rPr lang="en-GB" sz="1800" dirty="0" smtClean="0">
+                <a:solidFill>
+                  <a:srgbClr val="2F5897"/>
+                </a:solidFill>
+                <a:latin typeface="Courier New" panose="02070309020205020404" pitchFamily="49" charset="0"/>
+                <a:cs typeface="Courier New" panose="02070309020205020404" pitchFamily="49" charset="0"/>
+              </a:rPr>
+              <a:t>time=00:15:00 </a:t>
+            </a:r>
+            <a:r>
+              <a:rPr lang="en-GB" sz="1800" dirty="0">
+                <a:solidFill>
+                  <a:srgbClr val="2F5897"/>
+                </a:solidFill>
+                <a:latin typeface="Courier New" panose="02070309020205020404" pitchFamily="49" charset="0"/>
+                <a:cs typeface="Courier New" panose="02070309020205020404" pitchFamily="49" charset="0"/>
+              </a:rPr>
+              <a:t>--partition=local ../bin/slurmWrapperMPI.sh </a:t>
+            </a:r>
+            <a:r>
+              <a:rPr lang="en-GB" sz="1800" dirty="0" err="1">
+                <a:solidFill>
+                  <a:srgbClr val="2F5897"/>
+                </a:solidFill>
+                <a:latin typeface="Courier New" panose="02070309020205020404" pitchFamily="49" charset="0"/>
+                <a:cs typeface="Courier New" panose="02070309020205020404" pitchFamily="49" charset="0"/>
+              </a:rPr>
+              <a:t>mpirun</a:t>
+            </a:r>
+            <a:r>
+              <a:rPr lang="en-GB" sz="1800" dirty="0">
+                <a:solidFill>
+                  <a:srgbClr val="2F5897"/>
+                </a:solidFill>
+                <a:latin typeface="Courier New" panose="02070309020205020404" pitchFamily="49" charset="0"/>
+                <a:cs typeface="Courier New" panose="02070309020205020404" pitchFamily="49" charset="0"/>
+              </a:rPr>
+              <a:t> -np 4 /home/</a:t>
+            </a:r>
+            <a:r>
+              <a:rPr lang="en-GB" sz="1800" b="1" dirty="0">
+                <a:solidFill>
+                  <a:srgbClr val="2F5897"/>
+                </a:solidFill>
+                <a:latin typeface="Courier New" panose="02070309020205020404" pitchFamily="49" charset="0"/>
+                <a:cs typeface="Courier New" panose="02070309020205020404" pitchFamily="49" charset="0"/>
+              </a:rPr>
+              <a:t>griduser050</a:t>
+            </a:r>
+            <a:r>
+              <a:rPr lang="en-GB" sz="1800" dirty="0">
+                <a:solidFill>
+                  <a:srgbClr val="2F5897"/>
+                </a:solidFill>
+                <a:latin typeface="Courier New" panose="02070309020205020404" pitchFamily="49" charset="0"/>
+                <a:cs typeface="Courier New" panose="02070309020205020404" pitchFamily="49" charset="0"/>
+              </a:rPr>
+              <a:t>/</a:t>
             </a:r>
             <a:r>
               <a:rPr lang="en-GB" sz="1800" dirty="0" err="1">
@@ -11441,13 +11498,6 @@
               </a:rPr>
               <a:t> reverses/</a:t>
             </a:r>
-            <a:endParaRPr lang="en-GB" sz="1800" dirty="0" smtClean="0">
-              <a:solidFill>
-                <a:srgbClr val="2F5897"/>
-              </a:solidFill>
-              <a:latin typeface="Courier New" panose="02070309020205020404" pitchFamily="49" charset="0"/>
-              <a:cs typeface="Courier New" panose="02070309020205020404" pitchFamily="49" charset="0"/>
-            </a:endParaRPr>
           </a:p>
         </p:txBody>
       </p:sp>
@@ -12074,17 +12124,17 @@
                 <a:latin typeface="Courier New" panose="02070309020205020404" pitchFamily="49" charset="0"/>
                 <a:cs typeface="Courier New" panose="02070309020205020404" pitchFamily="49" charset="0"/>
               </a:rPr>
-              <a:t> 7 --mem=60gb --time=01:00:00 --partition=local ../bin/slurmWrapperMPI.sh </a:t>
-            </a:r>
-            <a:r>
-              <a:rPr lang="en-GB" sz="1800" dirty="0" err="1">
+              <a:t> 7 --</a:t>
+            </a:r>
+            <a:r>
+              <a:rPr lang="en-GB" sz="1800" dirty="0" smtClean="0">
                 <a:solidFill>
                   <a:srgbClr val="2F5897"/>
                 </a:solidFill>
                 <a:latin typeface="Courier New" panose="02070309020205020404" pitchFamily="49" charset="0"/>
                 <a:cs typeface="Courier New" panose="02070309020205020404" pitchFamily="49" charset="0"/>
               </a:rPr>
-              <a:t>mpirun</a:t>
+              <a:t>mem=10gb </a:t>
             </a:r>
             <a:r>
               <a:rPr lang="en-GB" sz="1800" dirty="0">
@@ -12094,7 +12144,67 @@
                 <a:latin typeface="Courier New" panose="02070309020205020404" pitchFamily="49" charset="0"/>
                 <a:cs typeface="Courier New" panose="02070309020205020404" pitchFamily="49" charset="0"/>
               </a:rPr>
-              <a:t> -np 7 /home/griduser050/</a:t>
+              <a:t>--</a:t>
+            </a:r>
+            <a:r>
+              <a:rPr lang="en-GB" sz="1800" dirty="0" smtClean="0">
+                <a:solidFill>
+                  <a:srgbClr val="2F5897"/>
+                </a:solidFill>
+                <a:latin typeface="Courier New" panose="02070309020205020404" pitchFamily="49" charset="0"/>
+                <a:cs typeface="Courier New" panose="02070309020205020404" pitchFamily="49" charset="0"/>
+              </a:rPr>
+              <a:t>time=00:15:00 </a:t>
+            </a:r>
+            <a:r>
+              <a:rPr lang="en-GB" sz="1800" dirty="0">
+                <a:solidFill>
+                  <a:srgbClr val="2F5897"/>
+                </a:solidFill>
+                <a:latin typeface="Courier New" panose="02070309020205020404" pitchFamily="49" charset="0"/>
+                <a:cs typeface="Courier New" panose="02070309020205020404" pitchFamily="49" charset="0"/>
+              </a:rPr>
+              <a:t>--partition=local ../bin/slurmWrapperMPI.sh </a:t>
+            </a:r>
+            <a:r>
+              <a:rPr lang="en-GB" sz="1800" dirty="0" err="1">
+                <a:solidFill>
+                  <a:srgbClr val="2F5897"/>
+                </a:solidFill>
+                <a:latin typeface="Courier New" panose="02070309020205020404" pitchFamily="49" charset="0"/>
+                <a:cs typeface="Courier New" panose="02070309020205020404" pitchFamily="49" charset="0"/>
+              </a:rPr>
+              <a:t>mpirun</a:t>
+            </a:r>
+            <a:r>
+              <a:rPr lang="en-GB" sz="1800" dirty="0">
+                <a:solidFill>
+                  <a:srgbClr val="2F5897"/>
+                </a:solidFill>
+                <a:latin typeface="Courier New" panose="02070309020205020404" pitchFamily="49" charset="0"/>
+                <a:cs typeface="Courier New" panose="02070309020205020404" pitchFamily="49" charset="0"/>
+              </a:rPr>
+              <a:t> -np 7 /home/</a:t>
+            </a:r>
+            <a:r>
+              <a:rPr lang="en-GB" sz="1800" b="1" dirty="0">
+                <a:solidFill>
+                  <a:srgbClr val="2F5897"/>
+                </a:solidFill>
+                <a:latin typeface="Courier New" panose="02070309020205020404" pitchFamily="49" charset="0"/>
+                <a:cs typeface="Courier New" panose="02070309020205020404" pitchFamily="49" charset="0"/>
+              </a:rPr>
+              <a:t>griduser050</a:t>
+            </a:r>
+            <a:r>
+              <a:rPr lang="en-GB" sz="1800" dirty="0">
+                <a:solidFill>
+                  <a:srgbClr val="2F5897"/>
+                </a:solidFill>
+                <a:latin typeface="Courier New" panose="02070309020205020404" pitchFamily="49" charset="0"/>
+                <a:cs typeface="Courier New" panose="02070309020205020404" pitchFamily="49" charset="0"/>
+              </a:rPr>
+              <a:t>/</a:t>
             </a:r>
             <a:r>
               <a:rPr lang="en-GB" sz="1800" dirty="0" err="1">
@@ -12145,7 +12255,31 @@
                   <a:srgbClr val="2F5897"/>
                 </a:solidFill>
               </a:rPr>
-              <a:t>Move them to the reverses folder:</a:t>
+              <a:t>Move them to the </a:t>
+            </a:r>
+            <a:r>
+              <a:rPr lang="en-GB" sz="1800" dirty="0" smtClean="0">
+                <a:solidFill>
+                  <a:srgbClr val="2F5897"/>
+                </a:solidFill>
+              </a:rPr>
+              <a:t>dictionaries</a:t>
+            </a:r>
+            <a:r>
+              <a:rPr lang="en-GB" sz="1800" dirty="0" smtClean="0">
+                <a:solidFill>
+                  <a:srgbClr val="2F5897"/>
+                </a:solidFill>
+              </a:rPr>
+              <a:t> </a:t>
+            </a:r>
+            <a:r>
+              <a:rPr lang="en-GB" sz="1800" dirty="0" smtClean="0">
+                <a:solidFill>
+                  <a:srgbClr val="2F5897"/>
+                </a:solidFill>
+              </a:rPr>
+              <a:t>folder:</a:t>
             </a:r>
           </a:p>
           <a:p>
@@ -12911,17 +13045,17 @@
                 <a:latin typeface="Courier New" panose="02070309020205020404" pitchFamily="49" charset="0"/>
                 <a:cs typeface="Courier New" panose="02070309020205020404" pitchFamily="49" charset="0"/>
               </a:rPr>
-              <a:t> 7 --mem=60gb --time=01:00:00 --partition=local ../bin/slurmWrapperMPI.sh </a:t>
-            </a:r>
-            <a:r>
-              <a:rPr lang="en-GB" sz="1800" dirty="0" err="1">
+              <a:t> 7 --</a:t>
+            </a:r>
+            <a:r>
+              <a:rPr lang="en-GB" sz="1800" dirty="0" smtClean="0">
                 <a:solidFill>
                   <a:srgbClr val="2F5897"/>
                 </a:solidFill>
                 <a:latin typeface="Courier New" panose="02070309020205020404" pitchFamily="49" charset="0"/>
                 <a:cs typeface="Courier New" panose="02070309020205020404" pitchFamily="49" charset="0"/>
               </a:rPr>
-              <a:t>mpirun</a:t>
+              <a:t>mem=10gb </a:t>
             </a:r>
             <a:r>
               <a:rPr lang="en-GB" sz="1800" dirty="0">
@@ -12931,7 +13065,67 @@
                 <a:latin typeface="Courier New" panose="02070309020205020404" pitchFamily="49" charset="0"/>
                 <a:cs typeface="Courier New" panose="02070309020205020404" pitchFamily="49" charset="0"/>
               </a:rPr>
-              <a:t> -np 7 /home/griduser050/</a:t>
+              <a:t>--</a:t>
+            </a:r>
+            <a:r>
+              <a:rPr lang="en-GB" sz="1800" dirty="0" smtClean="0">
+                <a:solidFill>
+                  <a:srgbClr val="2F5897"/>
+                </a:solidFill>
+                <a:latin typeface="Courier New" panose="02070309020205020404" pitchFamily="49" charset="0"/>
+                <a:cs typeface="Courier New" panose="02070309020205020404" pitchFamily="49" charset="0"/>
+              </a:rPr>
+              <a:t>time=00:15:00 </a:t>
+            </a:r>
+            <a:r>
+              <a:rPr lang="en-GB" sz="1800" dirty="0">
+                <a:solidFill>
+                  <a:srgbClr val="2F5897"/>
+                </a:solidFill>
+                <a:latin typeface="Courier New" panose="02070309020205020404" pitchFamily="49" charset="0"/>
+                <a:cs typeface="Courier New" panose="02070309020205020404" pitchFamily="49" charset="0"/>
+              </a:rPr>
+              <a:t>--partition=local ../bin/slurmWrapperMPI.sh </a:t>
+            </a:r>
+            <a:r>
+              <a:rPr lang="en-GB" sz="1800" dirty="0" err="1">
+                <a:solidFill>
+                  <a:srgbClr val="2F5897"/>
+                </a:solidFill>
+                <a:latin typeface="Courier New" panose="02070309020205020404" pitchFamily="49" charset="0"/>
+                <a:cs typeface="Courier New" panose="02070309020205020404" pitchFamily="49" charset="0"/>
+              </a:rPr>
+              <a:t>mpirun</a:t>
+            </a:r>
+            <a:r>
+              <a:rPr lang="en-GB" sz="1800" dirty="0">
+                <a:solidFill>
+                  <a:srgbClr val="2F5897"/>
+                </a:solidFill>
+                <a:latin typeface="Courier New" panose="02070309020205020404" pitchFamily="49" charset="0"/>
+                <a:cs typeface="Courier New" panose="02070309020205020404" pitchFamily="49" charset="0"/>
+              </a:rPr>
+              <a:t> -np 7 /home/</a:t>
+            </a:r>
+            <a:r>
+              <a:rPr lang="en-GB" sz="1800" b="1" dirty="0">
+                <a:solidFill>
+                  <a:srgbClr val="2F5897"/>
+                </a:solidFill>
+                <a:latin typeface="Courier New" panose="02070309020205020404" pitchFamily="49" charset="0"/>
+                <a:cs typeface="Courier New" panose="02070309020205020404" pitchFamily="49" charset="0"/>
+              </a:rPr>
+              <a:t>griduser050</a:t>
+            </a:r>
+            <a:r>
+              <a:rPr lang="en-GB" sz="1800" dirty="0">
+                <a:solidFill>
+                  <a:srgbClr val="2F5897"/>
+                </a:solidFill>
+                <a:latin typeface="Courier New" panose="02070309020205020404" pitchFamily="49" charset="0"/>
+                <a:cs typeface="Courier New" panose="02070309020205020404" pitchFamily="49" charset="0"/>
+              </a:rPr>
+              <a:t>/</a:t>
             </a:r>
             <a:r>
               <a:rPr lang="en-GB" sz="1800" dirty="0" err="1">
@@ -13002,145 +13196,12 @@
                   <a:srgbClr val="2F5897"/>
                 </a:solidFill>
               </a:rPr>
-              <a:t>Move them to the reverses folder:</a:t>
-            </a:r>
-          </a:p>
-          <a:p>
-            <a:pPr marL="501650" lvl="1" indent="0">
-              <a:lnSpc>
-                <a:spcPct val="120000"/>
-              </a:lnSpc>
-              <a:spcBef>
-                <a:spcPts val="0"/>
-              </a:spcBef>
-              <a:spcAft>
-                <a:spcPts val="0"/>
-              </a:spcAft>
-              <a:buClr>
-                <a:srgbClr val="2F5897"/>
-              </a:buClr>
-              <a:buNone/>
-            </a:pPr>
-            <a:r>
-              <a:rPr lang="en-GB" sz="1800" dirty="0" err="1">
-                <a:solidFill>
-                  <a:srgbClr val="2F5897"/>
-                </a:solidFill>
-                <a:latin typeface="Courier New" panose="02070309020205020404" pitchFamily="49" charset="0"/>
-                <a:cs typeface="Courier New" panose="02070309020205020404" pitchFamily="49" charset="0"/>
-              </a:rPr>
-              <a:t>mkdir</a:t>
-            </a:r>
-            <a:r>
-              <a:rPr lang="en-GB" sz="1800" dirty="0">
-                <a:solidFill>
-                  <a:srgbClr val="2F5897"/>
-                </a:solidFill>
-                <a:latin typeface="Courier New" panose="02070309020205020404" pitchFamily="49" charset="0"/>
-                <a:cs typeface="Courier New" panose="02070309020205020404" pitchFamily="49" charset="0"/>
-              </a:rPr>
-              <a:t> dictionaries</a:t>
-            </a:r>
-          </a:p>
-          <a:p>
-            <a:pPr marL="501650" lvl="1" indent="0">
-              <a:lnSpc>
-                <a:spcPct val="120000"/>
-              </a:lnSpc>
-              <a:spcBef>
-                <a:spcPts val="0"/>
-              </a:spcBef>
-              <a:spcAft>
-                <a:spcPts val="0"/>
-              </a:spcAft>
-              <a:buClr>
-                <a:srgbClr val="2F5897"/>
-              </a:buClr>
-              <a:buNone/>
-            </a:pPr>
-            <a:r>
-              <a:rPr lang="en-GB" sz="1800" dirty="0">
-                <a:solidFill>
-                  <a:srgbClr val="2F5897"/>
-                </a:solidFill>
-                <a:latin typeface="Courier New" panose="02070309020205020404" pitchFamily="49" charset="0"/>
-                <a:cs typeface="Courier New" panose="02070309020205020404" pitchFamily="49" charset="0"/>
-              </a:rPr>
-              <a:t>mv *.d2h* dictionaries/</a:t>
-            </a:r>
-          </a:p>
-          <a:p>
-            <a:pPr marL="501650" lvl="1" indent="0">
-              <a:lnSpc>
-                <a:spcPct val="120000"/>
-              </a:lnSpc>
-              <a:spcBef>
-                <a:spcPts val="0"/>
-              </a:spcBef>
-              <a:spcAft>
-                <a:spcPts val="0"/>
-              </a:spcAft>
-              <a:buClr>
-                <a:srgbClr val="2F5897"/>
-              </a:buClr>
-              <a:buNone/>
-            </a:pPr>
-            <a:r>
-              <a:rPr lang="en-GB" sz="1800" dirty="0" err="1">
-                <a:solidFill>
-                  <a:srgbClr val="2F5897"/>
-                </a:solidFill>
-                <a:latin typeface="Courier New" panose="02070309020205020404" pitchFamily="49" charset="0"/>
-                <a:cs typeface="Courier New" panose="02070309020205020404" pitchFamily="49" charset="0"/>
-              </a:rPr>
-              <a:t>rm</a:t>
-            </a:r>
-            <a:r>
-              <a:rPr lang="en-GB" sz="1800" dirty="0">
-                <a:solidFill>
-                  <a:srgbClr val="2F5897"/>
-                </a:solidFill>
-                <a:latin typeface="Courier New" panose="02070309020205020404" pitchFamily="49" charset="0"/>
-                <a:cs typeface="Courier New" panose="02070309020205020404" pitchFamily="49" charset="0"/>
-              </a:rPr>
-              <a:t> -</a:t>
-            </a:r>
-            <a:r>
-              <a:rPr lang="en-GB" sz="1800" dirty="0" err="1">
-                <a:solidFill>
-                  <a:srgbClr val="2F5897"/>
-                </a:solidFill>
-                <a:latin typeface="Courier New" panose="02070309020205020404" pitchFamily="49" charset="0"/>
-                <a:cs typeface="Courier New" panose="02070309020205020404" pitchFamily="49" charset="0"/>
-              </a:rPr>
-              <a:t>rf</a:t>
-            </a:r>
-            <a:r>
-              <a:rPr lang="en-GB" sz="1800" dirty="0">
-                <a:solidFill>
-                  <a:srgbClr val="2F5897"/>
-                </a:solidFill>
-                <a:latin typeface="Courier New" panose="02070309020205020404" pitchFamily="49" charset="0"/>
-                <a:cs typeface="Courier New" panose="02070309020205020404" pitchFamily="49" charset="0"/>
-              </a:rPr>
-              <a:t> *.</a:t>
-            </a:r>
-            <a:r>
-              <a:rPr lang="en-GB" sz="1800" dirty="0" err="1">
-                <a:solidFill>
-                  <a:srgbClr val="2F5897"/>
-                </a:solidFill>
-                <a:latin typeface="Courier New" panose="02070309020205020404" pitchFamily="49" charset="0"/>
-                <a:cs typeface="Courier New" panose="02070309020205020404" pitchFamily="49" charset="0"/>
-              </a:rPr>
-              <a:t>words.sort</a:t>
+              <a:t>The results will be placed in the ‘frags’ folder</a:t>
             </a:r>
             <a:endParaRPr lang="en-GB" sz="1800" dirty="0" smtClean="0">
               <a:solidFill>
                 <a:srgbClr val="2F5897"/>
               </a:solidFill>
-              <a:latin typeface="Courier New" panose="02070309020205020404" pitchFamily="49" charset="0"/>
-              <a:cs typeface="Courier New" panose="02070309020205020404" pitchFamily="49" charset="0"/>
             </a:endParaRPr>
           </a:p>
         </p:txBody>
@@ -13598,15 +13659,7 @@
                   <a:srgbClr val="2F5897"/>
                 </a:solidFill>
               </a:rPr>
-              <a:t>All </a:t>
-            </a:r>
-            <a:r>
-              <a:rPr lang="en-GB" dirty="0" smtClean="0">
-                <a:solidFill>
-                  <a:srgbClr val="2F5897"/>
-                </a:solidFill>
-              </a:rPr>
-              <a:t>the files inside the ‘</a:t>
+              <a:t>All the files inside the ‘</a:t>
             </a:r>
             <a:r>
               <a:rPr lang="en-GB" dirty="0" err="1" smtClean="0">
@@ -13982,11 +14035,6 @@
               </a:rPr>
               <a:t> and MPI hybrid applications </a:t>
             </a:r>
-            <a:endParaRPr lang="en-GB" dirty="0" smtClean="0">
-              <a:solidFill>
-                <a:srgbClr val="2F5897"/>
-              </a:solidFill>
-            </a:endParaRPr>
           </a:p>
         </p:txBody>
       </p:sp>
@@ -14441,17 +14489,7 @@
                 <a:latin typeface="Courier New" panose="02070309020205020404" pitchFamily="49" charset="0"/>
                 <a:cs typeface="Courier New" panose="02070309020205020404" pitchFamily="49" charset="0"/>
               </a:rPr>
-              <a:t>make </a:t>
-            </a:r>
-            <a:r>
-              <a:rPr lang="en-GB" sz="2000" dirty="0" smtClean="0">
-                <a:solidFill>
-                  <a:srgbClr val="2F5897"/>
-                </a:solidFill>
-                <a:latin typeface="Courier New" panose="02070309020205020404" pitchFamily="49" charset="0"/>
-                <a:cs typeface="Courier New" panose="02070309020205020404" pitchFamily="49" charset="0"/>
-              </a:rPr>
-              <a:t>all</a:t>
+              <a:t>make all</a:t>
             </a:r>
           </a:p>
         </p:txBody>
@@ -15837,44 +15875,14 @@
               <a:buNone/>
             </a:pPr>
             <a:r>
-              <a:rPr lang="en-GB" sz="1800" dirty="0" err="1">
+              <a:rPr lang="en-GB" sz="1800" dirty="0" smtClean="0">
                 <a:solidFill>
                   <a:srgbClr val="2F5897"/>
                 </a:solidFill>
                 <a:latin typeface="Courier New" panose="02070309020205020404" pitchFamily="49" charset="0"/>
                 <a:cs typeface="Courier New" panose="02070309020205020404" pitchFamily="49" charset="0"/>
               </a:rPr>
-              <a:t>sbatch</a:t>
-            </a:r>
-            <a:r>
-              <a:rPr lang="en-GB" sz="1800" dirty="0">
-                <a:solidFill>
-                  <a:srgbClr val="2F5897"/>
-                </a:solidFill>
-                <a:latin typeface="Courier New" panose="02070309020205020404" pitchFamily="49" charset="0"/>
-                <a:cs typeface="Courier New" panose="02070309020205020404" pitchFamily="49" charset="0"/>
-              </a:rPr>
-              <a:t> --</a:t>
-            </a:r>
-            <a:r>
-              <a:rPr lang="en-GB" sz="1800" dirty="0" err="1">
-                <a:solidFill>
-                  <a:srgbClr val="2F5897"/>
-                </a:solidFill>
-                <a:latin typeface="Courier New" panose="02070309020205020404" pitchFamily="49" charset="0"/>
-                <a:cs typeface="Courier New" panose="02070309020205020404" pitchFamily="49" charset="0"/>
-              </a:rPr>
-              <a:t>ntasks</a:t>
-            </a:r>
-            <a:r>
-              <a:rPr lang="en-GB" sz="1800" dirty="0">
-                <a:solidFill>
-                  <a:srgbClr val="2F5897"/>
-                </a:solidFill>
-                <a:latin typeface="Courier New" panose="02070309020205020404" pitchFamily="49" charset="0"/>
-                <a:cs typeface="Courier New" panose="02070309020205020404" pitchFamily="49" charset="0"/>
-              </a:rPr>
-              <a:t> 5 --mem=60gb --time=00:15:00 -p local ../../bin/workflow.sh S1 S2 100 65 32 3 2</a:t>
+              <a:t># Running with 2 cores</a:t>
             </a:r>
           </a:p>
           <a:p>
@@ -15893,6 +15901,127 @@
               </a:buClr>
               <a:buNone/>
             </a:pPr>
+            <a:r>
+              <a:rPr lang="en-GB" sz="1800" dirty="0" err="1" smtClean="0">
+                <a:solidFill>
+                  <a:srgbClr val="2F5897"/>
+                </a:solidFill>
+                <a:latin typeface="Courier New" panose="02070309020205020404" pitchFamily="49" charset="0"/>
+                <a:cs typeface="Courier New" panose="02070309020205020404" pitchFamily="49" charset="0"/>
+              </a:rPr>
+              <a:t>sbatch</a:t>
+            </a:r>
+            <a:r>
+              <a:rPr lang="en-GB" sz="1800" dirty="0" smtClean="0">
+                <a:solidFill>
+                  <a:srgbClr val="2F5897"/>
+                </a:solidFill>
+                <a:latin typeface="Courier New" panose="02070309020205020404" pitchFamily="49" charset="0"/>
+                <a:cs typeface="Courier New" panose="02070309020205020404" pitchFamily="49" charset="0"/>
+              </a:rPr>
+              <a:t> </a:t>
+            </a:r>
+            <a:r>
+              <a:rPr lang="en-GB" sz="1800" dirty="0">
+                <a:solidFill>
+                  <a:srgbClr val="2F5897"/>
+                </a:solidFill>
+                <a:latin typeface="Courier New" panose="02070309020205020404" pitchFamily="49" charset="0"/>
+                <a:cs typeface="Courier New" panose="02070309020205020404" pitchFamily="49" charset="0"/>
+              </a:rPr>
+              <a:t>--</a:t>
+            </a:r>
+            <a:r>
+              <a:rPr lang="en-GB" sz="1800" dirty="0" err="1">
+                <a:solidFill>
+                  <a:srgbClr val="2F5897"/>
+                </a:solidFill>
+                <a:latin typeface="Courier New" panose="02070309020205020404" pitchFamily="49" charset="0"/>
+                <a:cs typeface="Courier New" panose="02070309020205020404" pitchFamily="49" charset="0"/>
+              </a:rPr>
+              <a:t>ntasks</a:t>
+            </a:r>
+            <a:r>
+              <a:rPr lang="en-GB" sz="1800" dirty="0">
+                <a:solidFill>
+                  <a:srgbClr val="2F5897"/>
+                </a:solidFill>
+                <a:latin typeface="Courier New" panose="02070309020205020404" pitchFamily="49" charset="0"/>
+                <a:cs typeface="Courier New" panose="02070309020205020404" pitchFamily="49" charset="0"/>
+              </a:rPr>
+              <a:t> 5 --</a:t>
+            </a:r>
+            <a:r>
+              <a:rPr lang="en-GB" sz="1800" dirty="0" smtClean="0">
+                <a:solidFill>
+                  <a:srgbClr val="2F5897"/>
+                </a:solidFill>
+                <a:latin typeface="Courier New" panose="02070309020205020404" pitchFamily="49" charset="0"/>
+                <a:cs typeface="Courier New" panose="02070309020205020404" pitchFamily="49" charset="0"/>
+              </a:rPr>
+              <a:t>mem=10gb </a:t>
+            </a:r>
+            <a:r>
+              <a:rPr lang="en-GB" sz="1800" dirty="0">
+                <a:solidFill>
+                  <a:srgbClr val="2F5897"/>
+                </a:solidFill>
+                <a:latin typeface="Courier New" panose="02070309020205020404" pitchFamily="49" charset="0"/>
+                <a:cs typeface="Courier New" panose="02070309020205020404" pitchFamily="49" charset="0"/>
+              </a:rPr>
+              <a:t>--time=00:15:00 -p local ../../bin/workflow.sh S1 S2 100 65 32 3 2</a:t>
+            </a:r>
+          </a:p>
+          <a:p>
+            <a:pPr marL="101600" indent="0">
+              <a:lnSpc>
+                <a:spcPct val="120000"/>
+              </a:lnSpc>
+              <a:spcBef>
+                <a:spcPts val="0"/>
+              </a:spcBef>
+              <a:spcAft>
+                <a:spcPts val="0"/>
+              </a:spcAft>
+              <a:buClr>
+                <a:srgbClr val="2F5897"/>
+              </a:buClr>
+              <a:buNone/>
+            </a:pPr>
+            <a:endParaRPr lang="en-GB" sz="1800" dirty="0" smtClean="0">
+              <a:solidFill>
+                <a:srgbClr val="2F5897"/>
+              </a:solidFill>
+              <a:latin typeface="Courier New" panose="02070309020205020404" pitchFamily="49" charset="0"/>
+              <a:cs typeface="Courier New" panose="02070309020205020404" pitchFamily="49" charset="0"/>
+            </a:endParaRPr>
+          </a:p>
+          <a:p>
+            <a:pPr marL="101600" indent="0">
+              <a:lnSpc>
+                <a:spcPct val="120000"/>
+              </a:lnSpc>
+              <a:spcBef>
+                <a:spcPts val="0"/>
+              </a:spcBef>
+              <a:spcAft>
+                <a:spcPts val="0"/>
+              </a:spcAft>
+              <a:buClr>
+                <a:srgbClr val="2F5897"/>
+              </a:buClr>
+              <a:buNone/>
+            </a:pPr>
+            <a:r>
+              <a:rPr lang="en-GB" sz="1800" dirty="0" smtClean="0">
+                <a:solidFill>
+                  <a:srgbClr val="2F5897"/>
+                </a:solidFill>
+                <a:latin typeface="Courier New" panose="02070309020205020404" pitchFamily="49" charset="0"/>
+                <a:cs typeface="Courier New" panose="02070309020205020404" pitchFamily="49" charset="0"/>
+              </a:rPr>
+              <a:t># Running with 4 cores</a:t>
+            </a:r>
             <a:endParaRPr lang="en-GB" sz="1800" dirty="0">
               <a:solidFill>
                 <a:srgbClr val="2F5897"/>
@@ -15955,7 +16084,27 @@
                 <a:latin typeface="Courier New" panose="02070309020205020404" pitchFamily="49" charset="0"/>
                 <a:cs typeface="Courier New" panose="02070309020205020404" pitchFamily="49" charset="0"/>
               </a:rPr>
-              <a:t> 9 --mem=60gb --time=00:15:00 -p local ../../bin/workflow.sh S1 S2 100 65 32 5 4</a:t>
+              <a:t> 9 --</a:t>
+            </a:r>
+            <a:r>
+              <a:rPr lang="en-GB" sz="1800" dirty="0" smtClean="0">
+                <a:solidFill>
+                  <a:srgbClr val="2F5897"/>
+                </a:solidFill>
+                <a:latin typeface="Courier New" panose="02070309020205020404" pitchFamily="49" charset="0"/>
+                <a:cs typeface="Courier New" panose="02070309020205020404" pitchFamily="49" charset="0"/>
+              </a:rPr>
+              <a:t>mem=10gb </a:t>
+            </a:r>
+            <a:r>
+              <a:rPr lang="en-GB" sz="1800" dirty="0">
+                <a:solidFill>
+                  <a:srgbClr val="2F5897"/>
+                </a:solidFill>
+                <a:latin typeface="Courier New" panose="02070309020205020404" pitchFamily="49" charset="0"/>
+                <a:cs typeface="Courier New" panose="02070309020205020404" pitchFamily="49" charset="0"/>
+              </a:rPr>
+              <a:t>--time=00:15:00 -p local ../../bin/workflow.sh S1 S2 100 65 32 5 4</a:t>
             </a:r>
           </a:p>
           <a:p>
@@ -15974,6 +16123,40 @@
               </a:buClr>
               <a:buNone/>
             </a:pPr>
+            <a:endParaRPr lang="en-GB" sz="1800" dirty="0" smtClean="0">
+              <a:solidFill>
+                <a:srgbClr val="2F5897"/>
+              </a:solidFill>
+              <a:latin typeface="Courier New" panose="02070309020205020404" pitchFamily="49" charset="0"/>
+              <a:cs typeface="Courier New" panose="02070309020205020404" pitchFamily="49" charset="0"/>
+            </a:endParaRPr>
+          </a:p>
+          <a:p>
+            <a:pPr marL="101600" indent="0">
+              <a:lnSpc>
+                <a:spcPct val="120000"/>
+              </a:lnSpc>
+              <a:spcBef>
+                <a:spcPts val="0"/>
+              </a:spcBef>
+              <a:spcAft>
+                <a:spcPts val="0"/>
+              </a:spcAft>
+              <a:buClr>
+                <a:srgbClr val="2F5897"/>
+              </a:buClr>
+              <a:buNone/>
+            </a:pPr>
+            <a:r>
+              <a:rPr lang="en-GB" sz="1800" dirty="0" smtClean="0">
+                <a:solidFill>
+                  <a:srgbClr val="2F5897"/>
+                </a:solidFill>
+                <a:latin typeface="Courier New" panose="02070309020205020404" pitchFamily="49" charset="0"/>
+                <a:cs typeface="Courier New" panose="02070309020205020404" pitchFamily="49" charset="0"/>
+              </a:rPr>
+              <a:t># Running with 8 cores</a:t>
+            </a:r>
             <a:endParaRPr lang="en-GB" sz="1800" dirty="0">
               <a:solidFill>
                 <a:srgbClr val="2F5897"/>
@@ -16036,7 +16219,27 @@
                 <a:latin typeface="Courier New" panose="02070309020205020404" pitchFamily="49" charset="0"/>
                 <a:cs typeface="Courier New" panose="02070309020205020404" pitchFamily="49" charset="0"/>
               </a:rPr>
-              <a:t> 17 --mem=60gb --time=00:15:00 -p local ../../bin/workflow.sh S1 S2 100 65 32 9 2</a:t>
+              <a:t> 17 --</a:t>
+            </a:r>
+            <a:r>
+              <a:rPr lang="en-GB" sz="1800" dirty="0" smtClean="0">
+                <a:solidFill>
+                  <a:srgbClr val="2F5897"/>
+                </a:solidFill>
+                <a:latin typeface="Courier New" panose="02070309020205020404" pitchFamily="49" charset="0"/>
+                <a:cs typeface="Courier New" panose="02070309020205020404" pitchFamily="49" charset="0"/>
+              </a:rPr>
+              <a:t>mem=10gb </a:t>
+            </a:r>
+            <a:r>
+              <a:rPr lang="en-GB" sz="1800" dirty="0">
+                <a:solidFill>
+                  <a:srgbClr val="2F5897"/>
+                </a:solidFill>
+                <a:latin typeface="Courier New" panose="02070309020205020404" pitchFamily="49" charset="0"/>
+                <a:cs typeface="Courier New" panose="02070309020205020404" pitchFamily="49" charset="0"/>
+              </a:rPr>
+              <a:t>--time=00:15:00 -p local ../../bin/workflow.sh S1 S2 100 65 32 9 2</a:t>
             </a:r>
           </a:p>
           <a:p>
@@ -16055,6 +16258,40 @@
               </a:buClr>
               <a:buNone/>
             </a:pPr>
+            <a:endParaRPr lang="en-GB" sz="1800" dirty="0" smtClean="0">
+              <a:solidFill>
+                <a:srgbClr val="2F5897"/>
+              </a:solidFill>
+              <a:latin typeface="Courier New" panose="02070309020205020404" pitchFamily="49" charset="0"/>
+              <a:cs typeface="Courier New" panose="02070309020205020404" pitchFamily="49" charset="0"/>
+            </a:endParaRPr>
+          </a:p>
+          <a:p>
+            <a:pPr marL="101600" indent="0">
+              <a:lnSpc>
+                <a:spcPct val="120000"/>
+              </a:lnSpc>
+              <a:spcBef>
+                <a:spcPts val="0"/>
+              </a:spcBef>
+              <a:spcAft>
+                <a:spcPts val="0"/>
+              </a:spcAft>
+              <a:buClr>
+                <a:srgbClr val="2F5897"/>
+              </a:buClr>
+              <a:buNone/>
+            </a:pPr>
+            <a:r>
+              <a:rPr lang="en-GB" sz="1800" dirty="0" smtClean="0">
+                <a:solidFill>
+                  <a:srgbClr val="2F5897"/>
+                </a:solidFill>
+                <a:latin typeface="Courier New" panose="02070309020205020404" pitchFamily="49" charset="0"/>
+                <a:cs typeface="Courier New" panose="02070309020205020404" pitchFamily="49" charset="0"/>
+              </a:rPr>
+              <a:t># Running with 16 cores</a:t>
+            </a:r>
             <a:endParaRPr lang="en-GB" sz="1800" dirty="0">
               <a:solidFill>
                 <a:srgbClr val="2F5897"/>
@@ -16117,7 +16354,27 @@
                 <a:latin typeface="Courier New" panose="02070309020205020404" pitchFamily="49" charset="0"/>
                 <a:cs typeface="Courier New" panose="02070309020205020404" pitchFamily="49" charset="0"/>
               </a:rPr>
-              <a:t> 65 --mem=60gb --time=00:15:00 -p local ../../bin/workflow.sh S1 S2 100 65 32 17 4</a:t>
+              <a:t> 65 --</a:t>
+            </a:r>
+            <a:r>
+              <a:rPr lang="en-GB" sz="1800" dirty="0" smtClean="0">
+                <a:solidFill>
+                  <a:srgbClr val="2F5897"/>
+                </a:solidFill>
+                <a:latin typeface="Courier New" panose="02070309020205020404" pitchFamily="49" charset="0"/>
+                <a:cs typeface="Courier New" panose="02070309020205020404" pitchFamily="49" charset="0"/>
+              </a:rPr>
+              <a:t>mem=10gb </a:t>
+            </a:r>
+            <a:r>
+              <a:rPr lang="en-GB" sz="1800" dirty="0">
+                <a:solidFill>
+                  <a:srgbClr val="2F5897"/>
+                </a:solidFill>
+                <a:latin typeface="Courier New" panose="02070309020205020404" pitchFamily="49" charset="0"/>
+                <a:cs typeface="Courier New" panose="02070309020205020404" pitchFamily="49" charset="0"/>
+              </a:rPr>
+              <a:t>--time=00:15:00 -p local ../../bin/workflow.sh S1 S2 100 65 32 17 4</a:t>
             </a:r>
             <a:endParaRPr lang="en-GB" sz="1800" dirty="0" smtClean="0">
               <a:solidFill>
@@ -16994,12 +17251,12 @@
               <a:t>: number of cores (not </a:t>
             </a:r>
             <a:r>
-              <a:rPr lang="en-GB" dirty="0" err="1">
-                <a:solidFill>
-                  <a:srgbClr val="2F5897"/>
-                </a:solidFill>
-              </a:rPr>
-              <a:t>neccesarily</a:t>
+              <a:rPr lang="en-GB" dirty="0" smtClean="0">
+                <a:solidFill>
+                  <a:srgbClr val="2F5897"/>
+                </a:solidFill>
+              </a:rPr>
+              <a:t>necessarily </a:t>
             </a:r>
             <a:r>
               <a:rPr lang="en-GB" dirty="0">
@@ -17007,7 +17264,7 @@
                   <a:srgbClr val="2F5897"/>
                 </a:solidFill>
               </a:rPr>
-              <a:t> in the same node)</a:t>
+              <a:t>in the same node)</a:t>
             </a:r>
           </a:p>
           <a:p>
